--- a/Prezentacie/6. For cyklus.pptx
+++ b/Prezentacie/6. For cyklus.pptx
@@ -3980,7 +3980,7 @@
             </a:fld>
             <a:r>
               <a:rPr lang="sk-SK" sz="1600" dirty="0"/>
-              <a:t> /11</a:t>
+              <a:t> / 11</a:t>
             </a:r>
             <a:endParaRPr lang="en-US" sz="1600" dirty="0"/>
           </a:p>
@@ -4150,7 +4150,7 @@
             </a:fld>
             <a:r>
               <a:rPr lang="sk-SK" sz="1600" dirty="0"/>
-              <a:t> /11</a:t>
+              <a:t> / 11</a:t>
             </a:r>
           </a:p>
         </p:txBody>
@@ -5511,7 +5511,7 @@
             </a:fld>
             <a:r>
               <a:rPr lang="sk-SK" sz="1600" dirty="0"/>
-              <a:t>/11</a:t>
+              <a:t> / 11</a:t>
             </a:r>
             <a:endParaRPr lang="en-US" sz="1600" dirty="0"/>
           </a:p>
@@ -5892,7 +5892,7 @@
             </a:fld>
             <a:r>
               <a:rPr lang="sk-SK" sz="1600" dirty="0"/>
-              <a:t> /11</a:t>
+              <a:t> / 11</a:t>
             </a:r>
             <a:endParaRPr lang="en-US" sz="1600" dirty="0"/>
           </a:p>
@@ -6134,7 +6134,7 @@
               <a:buNone/>
             </a:pPr>
             <a:r>
-              <a:rPr lang="en-US" dirty="0">
+              <a:rPr lang="en-US" b="1" dirty="0">
                 <a:solidFill>
                   <a:srgbClr val="0070C0"/>
                 </a:solidFill>
@@ -6142,7 +6142,7 @@
               <a:t>for </a:t>
             </a:r>
             <a:r>
-              <a:rPr lang="en-US" dirty="0" err="1">
+              <a:rPr lang="en-US" b="1" dirty="0" err="1">
                 <a:solidFill>
                   <a:srgbClr val="0070C0"/>
                 </a:solidFill>
@@ -6150,7 +6150,7 @@
               <a:t>premenná</a:t>
             </a:r>
             <a:r>
-              <a:rPr lang="en-US" dirty="0">
+              <a:rPr lang="en-US" b="1" dirty="0">
                 <a:solidFill>
                   <a:srgbClr val="0070C0"/>
                 </a:solidFill>
@@ -6158,7 +6158,7 @@
               <a:t> in range(</a:t>
             </a:r>
             <a:r>
-              <a:rPr lang="en-US" dirty="0" err="1">
+              <a:rPr lang="en-US" b="1" dirty="0" err="1">
                 <a:solidFill>
                   <a:srgbClr val="0070C0"/>
                 </a:solidFill>
@@ -6166,7 +6166,7 @@
               <a:t>počiatočná</a:t>
             </a:r>
             <a:r>
-              <a:rPr lang="en-US" dirty="0">
+              <a:rPr lang="en-US" b="1" dirty="0">
                 <a:solidFill>
                   <a:srgbClr val="0070C0"/>
                 </a:solidFill>
@@ -6174,7 +6174,7 @@
               <a:t> </a:t>
             </a:r>
             <a:r>
-              <a:rPr lang="en-US" dirty="0" err="1">
+              <a:rPr lang="en-US" b="1" dirty="0" err="1">
                 <a:solidFill>
                   <a:srgbClr val="0070C0"/>
                 </a:solidFill>
@@ -6182,7 +6182,7 @@
               <a:t>hodnota</a:t>
             </a:r>
             <a:r>
-              <a:rPr lang="en-US" dirty="0">
+              <a:rPr lang="en-US" b="1" dirty="0">
                 <a:solidFill>
                   <a:srgbClr val="0070C0"/>
                 </a:solidFill>
@@ -6190,7 +6190,7 @@
               <a:t>, </a:t>
             </a:r>
             <a:r>
-              <a:rPr lang="en-US" dirty="0" err="1">
+              <a:rPr lang="en-US" b="1" dirty="0" err="1">
                 <a:solidFill>
                   <a:srgbClr val="0070C0"/>
                 </a:solidFill>
@@ -6198,7 +6198,7 @@
               <a:t>konečná</a:t>
             </a:r>
             <a:r>
-              <a:rPr lang="en-US" dirty="0">
+              <a:rPr lang="en-US" b="1" dirty="0">
                 <a:solidFill>
                   <a:srgbClr val="0070C0"/>
                 </a:solidFill>
@@ -6206,7 +6206,7 @@
               <a:t> </a:t>
             </a:r>
             <a:r>
-              <a:rPr lang="en-US" dirty="0" err="1">
+              <a:rPr lang="en-US" b="1" dirty="0" err="1">
                 <a:solidFill>
                   <a:srgbClr val="0070C0"/>
                 </a:solidFill>
@@ -6214,7 +6214,7 @@
               <a:t>hodnota</a:t>
             </a:r>
             <a:r>
-              <a:rPr lang="en-US" dirty="0">
+              <a:rPr lang="en-US" b="1" dirty="0">
                 <a:solidFill>
                   <a:srgbClr val="0070C0"/>
                 </a:solidFill>
@@ -6227,7 +6227,7 @@
               <a:buNone/>
             </a:pPr>
             <a:r>
-              <a:rPr lang="en-US" dirty="0">
+              <a:rPr lang="en-US" b="1" dirty="0">
                 <a:solidFill>
                   <a:srgbClr val="0070C0"/>
                 </a:solidFill>
@@ -6235,7 +6235,7 @@
               <a:t>    </a:t>
             </a:r>
             <a:r>
-              <a:rPr lang="sk-SK" dirty="0">
+              <a:rPr lang="sk-SK" b="1" dirty="0">
                 <a:solidFill>
                   <a:srgbClr val="0070C0"/>
                 </a:solidFill>
@@ -6243,7 +6243,7 @@
               <a:t>  </a:t>
             </a:r>
             <a:r>
-              <a:rPr lang="en-US" dirty="0" err="1">
+              <a:rPr lang="en-US" b="1" dirty="0" err="1">
                 <a:solidFill>
                   <a:srgbClr val="0070C0"/>
                 </a:solidFill>
@@ -6251,7 +6251,7 @@
               <a:t>telo</a:t>
             </a:r>
             <a:r>
-              <a:rPr lang="en-US" dirty="0">
+              <a:rPr lang="en-US" b="1" dirty="0">
                 <a:solidFill>
                   <a:srgbClr val="0070C0"/>
                 </a:solidFill>
@@ -6259,14 +6259,14 @@
               <a:t> </a:t>
             </a:r>
             <a:r>
-              <a:rPr lang="en-US" dirty="0" err="1">
+              <a:rPr lang="en-US" b="1" dirty="0" err="1">
                 <a:solidFill>
                   <a:srgbClr val="0070C0"/>
                 </a:solidFill>
               </a:rPr>
               <a:t>cyklu</a:t>
             </a:r>
-            <a:endParaRPr lang="en-US" dirty="0">
+            <a:endParaRPr lang="en-US" b="1" dirty="0">
               <a:solidFill>
                 <a:srgbClr val="0070C0"/>
               </a:solidFill>
@@ -7010,6 +7010,14 @@
               <a:t>-</a:t>
             </a:r>
             <a:r>
+              <a:rPr lang="sk-SK" dirty="0">
+                <a:solidFill>
+                  <a:srgbClr val="0070C0"/>
+                </a:solidFill>
+              </a:rPr>
+              <a:t> </a:t>
+            </a:r>
+            <a:r>
               <a:rPr lang="en-US" dirty="0" err="1">
                 <a:solidFill>
                   <a:srgbClr val="0070C0"/>
@@ -7266,12 +7274,20 @@
               <a:t> </a:t>
             </a:r>
             <a:r>
-              <a:rPr lang="en-US" dirty="0" err="1">
-                <a:solidFill>
-                  <a:srgbClr val="0070C0"/>
-                </a:solidFill>
-              </a:rPr>
-              <a:t>začiatočnú</a:t>
+              <a:rPr lang="sk-SK" dirty="0">
+                <a:solidFill>
+                  <a:srgbClr val="0070C0"/>
+                </a:solidFill>
+              </a:rPr>
+              <a:t>po</a:t>
+            </a:r>
+            <a:r>
+              <a:rPr lang="en-US" dirty="0" err="1">
+                <a:solidFill>
+                  <a:srgbClr val="0070C0"/>
+                </a:solidFill>
+              </a:rPr>
+              <a:t>čiatočnú</a:t>
             </a:r>
             <a:r>
               <a:rPr lang="en-US" dirty="0">
@@ -7555,7 +7571,7 @@
             </a:fld>
             <a:r>
               <a:rPr lang="sk-SK" sz="1600" dirty="0"/>
-              <a:t> /11</a:t>
+              <a:t> / 11</a:t>
             </a:r>
             <a:endParaRPr lang="en-US" sz="1600" dirty="0"/>
           </a:p>
@@ -7862,7 +7878,15 @@
                   <a:srgbClr val="0070C0"/>
                 </a:solidFill>
               </a:rPr>
-              <a:t>sú</a:t>
+              <a:t>spusten</a:t>
+            </a:r>
+            <a:r>
+              <a:rPr lang="sk-SK" dirty="0">
+                <a:solidFill>
+                  <a:srgbClr val="0070C0"/>
+                </a:solidFill>
+              </a:rPr>
+              <a:t>ie</a:t>
             </a:r>
             <a:r>
               <a:rPr lang="en-US" dirty="0">
@@ -7878,23 +7902,15 @@
                   <a:srgbClr val="0070C0"/>
                 </a:solidFill>
               </a:rPr>
-              <a:t>spustené</a:t>
-            </a:r>
-            <a:r>
-              <a:rPr lang="en-US" dirty="0">
-                <a:solidFill>
-                  <a:srgbClr val="0070C0"/>
-                </a:solidFill>
-              </a:rPr>
-              <a:t> </a:t>
-            </a:r>
-            <a:r>
-              <a:rPr lang="en-US" dirty="0" err="1">
-                <a:solidFill>
-                  <a:srgbClr val="0070C0"/>
-                </a:solidFill>
-              </a:rPr>
-              <a:t>príkazy</a:t>
+              <a:t>príkaz</a:t>
+            </a:r>
+            <a:r>
+              <a:rPr lang="sk-SK" dirty="0">
+                <a:solidFill>
+                  <a:srgbClr val="0070C0"/>
+                </a:solidFill>
+              </a:rPr>
+              <a:t>ov</a:t>
             </a:r>
             <a:r>
               <a:rPr lang="en-US" dirty="0">
@@ -8059,7 +8075,7 @@
             </a:fld>
             <a:r>
               <a:rPr lang="sk-SK" sz="1600" dirty="0"/>
-              <a:t> /11</a:t>
+              <a:t> / 11</a:t>
             </a:r>
             <a:endParaRPr lang="en-US" sz="1600" dirty="0"/>
           </a:p>
@@ -8235,7 +8251,7 @@
               <a:buNone/>
             </a:pPr>
             <a:r>
-              <a:rPr lang="en-US" dirty="0" err="1">
+              <a:rPr lang="en-US" b="1" dirty="0" err="1">
                 <a:solidFill>
                   <a:srgbClr val="0070C0"/>
                 </a:solidFill>
@@ -8243,7 +8259,7 @@
               <a:t>Riadiaca</a:t>
             </a:r>
             <a:r>
-              <a:rPr lang="en-US" dirty="0">
+              <a:rPr lang="en-US" b="1" dirty="0">
                 <a:solidFill>
                   <a:srgbClr val="0070C0"/>
                 </a:solidFill>
@@ -8251,12 +8267,79 @@
               <a:t> </a:t>
             </a:r>
             <a:r>
-              <a:rPr lang="en-US" dirty="0" err="1">
+              <a:rPr lang="en-US" b="1" dirty="0" err="1">
                 <a:solidFill>
                   <a:srgbClr val="0070C0"/>
                 </a:solidFill>
               </a:rPr>
               <a:t>premenná</a:t>
+            </a:r>
+            <a:r>
+              <a:rPr lang="sk-SK" b="1" dirty="0">
+                <a:solidFill>
+                  <a:srgbClr val="0070C0"/>
+                </a:solidFill>
+              </a:rPr>
+              <a:t>:</a:t>
+            </a:r>
+          </a:p>
+          <a:p>
+            <a:pPr algn="just"/>
+            <a:r>
+              <a:rPr lang="en-US" dirty="0" err="1">
+                <a:solidFill>
+                  <a:srgbClr val="0070C0"/>
+                </a:solidFill>
+              </a:rPr>
+              <a:t>môže</a:t>
+            </a:r>
+            <a:r>
+              <a:rPr lang="en-US" dirty="0">
+                <a:solidFill>
+                  <a:srgbClr val="0070C0"/>
+                </a:solidFill>
+              </a:rPr>
+              <a:t> </a:t>
+            </a:r>
+            <a:r>
+              <a:rPr lang="en-US" dirty="0" err="1">
+                <a:solidFill>
+                  <a:srgbClr val="0070C0"/>
+                </a:solidFill>
+              </a:rPr>
+              <a:t>mať</a:t>
+            </a:r>
+            <a:r>
+              <a:rPr lang="en-US" dirty="0">
+                <a:solidFill>
+                  <a:srgbClr val="0070C0"/>
+                </a:solidFill>
+              </a:rPr>
+              <a:t> </a:t>
+            </a:r>
+            <a:r>
+              <a:rPr lang="en-US" dirty="0" err="1">
+                <a:solidFill>
+                  <a:srgbClr val="0070C0"/>
+                </a:solidFill>
+              </a:rPr>
+              <a:t>ľubovoľný</a:t>
+            </a:r>
+            <a:r>
+              <a:rPr lang="en-US" dirty="0">
+                <a:solidFill>
+                  <a:srgbClr val="0070C0"/>
+                </a:solidFill>
+              </a:rPr>
+              <a:t> </a:t>
+            </a:r>
+            <a:r>
+              <a:rPr lang="en-US" dirty="0" err="1">
+                <a:solidFill>
+                  <a:srgbClr val="0070C0"/>
+                </a:solidFill>
+              </a:rPr>
+              <a:t>identifikátor</a:t>
             </a:r>
             <a:endParaRPr lang="sk-SK" dirty="0">
               <a:solidFill>
@@ -8267,6 +8350,22 @@
           <a:p>
             <a:pPr algn="just"/>
             <a:r>
+              <a:rPr lang="sk-SK" dirty="0">
+                <a:solidFill>
+                  <a:srgbClr val="0070C0"/>
+                </a:solidFill>
+              </a:rPr>
+              <a:t>t</a:t>
+            </a:r>
+            <a:r>
+              <a:rPr lang="en-US" dirty="0" err="1">
+                <a:solidFill>
+                  <a:srgbClr val="0070C0"/>
+                </a:solidFill>
+              </a:rPr>
+              <a:t>ypicky</a:t>
+            </a:r>
+            <a:r>
               <a:rPr lang="en-US" dirty="0">
                 <a:solidFill>
                   <a:srgbClr val="0070C0"/>
@@ -8280,6 +8379,185 @@
                   <a:srgbClr val="0070C0"/>
                 </a:solidFill>
               </a:rPr>
+              <a:t>sa</a:t>
+            </a:r>
+            <a:r>
+              <a:rPr lang="en-US" dirty="0">
+                <a:solidFill>
+                  <a:srgbClr val="0070C0"/>
+                </a:solidFill>
+              </a:rPr>
+              <a:t> </a:t>
+            </a:r>
+            <a:r>
+              <a:rPr lang="en-US" dirty="0" err="1">
+                <a:solidFill>
+                  <a:srgbClr val="0070C0"/>
+                </a:solidFill>
+              </a:rPr>
+              <a:t>využívaju</a:t>
+            </a:r>
+            <a:r>
+              <a:rPr lang="en-US" dirty="0">
+                <a:solidFill>
+                  <a:srgbClr val="0070C0"/>
+                </a:solidFill>
+              </a:rPr>
+              <a:t> </a:t>
+            </a:r>
+            <a:r>
+              <a:rPr lang="en-US" dirty="0" err="1">
+                <a:solidFill>
+                  <a:srgbClr val="0070C0"/>
+                </a:solidFill>
+              </a:rPr>
+              <a:t>písmená</a:t>
+            </a:r>
+            <a:r>
+              <a:rPr lang="sk-SK" dirty="0">
+                <a:solidFill>
+                  <a:srgbClr val="0070C0"/>
+                </a:solidFill>
+              </a:rPr>
+              <a:t> (z</a:t>
+            </a:r>
+            <a:r>
+              <a:rPr lang="en-US" dirty="0" err="1">
+                <a:solidFill>
+                  <a:srgbClr val="0070C0"/>
+                </a:solidFill>
+              </a:rPr>
+              <a:t>vyčajne</a:t>
+            </a:r>
+            <a:r>
+              <a:rPr lang="en-US" dirty="0">
+                <a:solidFill>
+                  <a:srgbClr val="0070C0"/>
+                </a:solidFill>
+              </a:rPr>
+              <a:t> </a:t>
+            </a:r>
+            <a:r>
+              <a:rPr lang="en-US" dirty="0" err="1">
+                <a:solidFill>
+                  <a:srgbClr val="0070C0"/>
+                </a:solidFill>
+              </a:rPr>
+              <a:t>i</a:t>
+            </a:r>
+            <a:r>
+              <a:rPr lang="en-US" dirty="0">
+                <a:solidFill>
+                  <a:srgbClr val="0070C0"/>
+                </a:solidFill>
+              </a:rPr>
+              <a:t>, </a:t>
+            </a:r>
+            <a:r>
+              <a:rPr lang="en-US" dirty="0" err="1">
+                <a:solidFill>
+                  <a:srgbClr val="0070C0"/>
+                </a:solidFill>
+              </a:rPr>
+              <a:t>ako</a:t>
+            </a:r>
+            <a:r>
+              <a:rPr lang="en-US" dirty="0">
+                <a:solidFill>
+                  <a:srgbClr val="0070C0"/>
+                </a:solidFill>
+              </a:rPr>
+              <a:t> iterator</a:t>
+            </a:r>
+            <a:r>
+              <a:rPr lang="sk-SK" dirty="0">
+                <a:solidFill>
+                  <a:srgbClr val="0070C0"/>
+                </a:solidFill>
+              </a:rPr>
+              <a:t>)</a:t>
+            </a:r>
+          </a:p>
+          <a:p>
+            <a:pPr algn="just"/>
+            <a:r>
+              <a:rPr lang="sk-SK" dirty="0">
+                <a:solidFill>
+                  <a:srgbClr val="0070C0"/>
+                </a:solidFill>
+              </a:rPr>
+              <a:t>p</a:t>
+            </a:r>
+            <a:r>
+              <a:rPr lang="en-US" dirty="0" err="1">
+                <a:solidFill>
+                  <a:srgbClr val="0070C0"/>
+                </a:solidFill>
+              </a:rPr>
+              <a:t>remenná</a:t>
+            </a:r>
+            <a:r>
+              <a:rPr lang="en-US" dirty="0">
+                <a:solidFill>
+                  <a:srgbClr val="0070C0"/>
+                </a:solidFill>
+              </a:rPr>
+              <a:t> je </a:t>
+            </a:r>
+            <a:r>
+              <a:rPr lang="en-US" dirty="0" err="1">
+                <a:solidFill>
+                  <a:srgbClr val="0070C0"/>
+                </a:solidFill>
+              </a:rPr>
+              <a:t>platná</a:t>
+            </a:r>
+            <a:r>
+              <a:rPr lang="en-US" dirty="0">
+                <a:solidFill>
+                  <a:srgbClr val="0070C0"/>
+                </a:solidFill>
+              </a:rPr>
+              <a:t> v </a:t>
+            </a:r>
+            <a:r>
+              <a:rPr lang="en-US" dirty="0" err="1">
+                <a:solidFill>
+                  <a:srgbClr val="0070C0"/>
+                </a:solidFill>
+              </a:rPr>
+              <a:t>bloku</a:t>
+            </a:r>
+            <a:r>
+              <a:rPr lang="en-US" dirty="0">
+                <a:solidFill>
+                  <a:srgbClr val="0070C0"/>
+                </a:solidFill>
+              </a:rPr>
+              <a:t> </a:t>
+            </a:r>
+            <a:r>
+              <a:rPr lang="en-US" dirty="0" err="1">
+                <a:solidFill>
+                  <a:srgbClr val="0070C0"/>
+                </a:solidFill>
+              </a:rPr>
+              <a:t>cyklu</a:t>
+            </a:r>
+            <a:r>
+              <a:rPr lang="en-US" dirty="0">
+                <a:solidFill>
+                  <a:srgbClr val="0070C0"/>
+                </a:solidFill>
+              </a:rPr>
+              <a:t> a </a:t>
+            </a:r>
+            <a:r>
+              <a:rPr lang="en-US" dirty="0" err="1">
+                <a:solidFill>
+                  <a:srgbClr val="0070C0"/>
+                </a:solidFill>
+              </a:rPr>
               <a:t>môže</a:t>
             </a:r>
             <a:r>
@@ -8296,7 +8574,7 @@
                   <a:srgbClr val="0070C0"/>
                 </a:solidFill>
               </a:rPr>
-              <a:t>mať</a:t>
+              <a:t>byť</a:t>
             </a:r>
             <a:r>
               <a:rPr lang="en-US" dirty="0">
@@ -8312,7 +8590,7 @@
                   <a:srgbClr val="0070C0"/>
                 </a:solidFill>
               </a:rPr>
-              <a:t>ľubovoľný</a:t>
+              <a:t>použitá</a:t>
             </a:r>
             <a:r>
               <a:rPr lang="en-US" dirty="0">
@@ -8328,327 +8606,79 @@
                   <a:srgbClr val="0070C0"/>
                 </a:solidFill>
               </a:rPr>
-              <a:t>identifikátor</a:t>
-            </a:r>
-            <a:endParaRPr lang="sk-SK" dirty="0">
-              <a:solidFill>
-                <a:srgbClr val="0070C0"/>
-              </a:solidFill>
-            </a:endParaRPr>
-          </a:p>
-          <a:p>
-            <a:pPr algn="just"/>
+              <a:t>aj</a:t>
+            </a:r>
+            <a:r>
+              <a:rPr lang="en-US" dirty="0">
+                <a:solidFill>
+                  <a:srgbClr val="0070C0"/>
+                </a:solidFill>
+              </a:rPr>
+              <a:t> </a:t>
+            </a:r>
+            <a:r>
+              <a:rPr lang="en-US" dirty="0" err="1">
+                <a:solidFill>
+                  <a:srgbClr val="0070C0"/>
+                </a:solidFill>
+              </a:rPr>
+              <a:t>na</a:t>
+            </a:r>
+            <a:r>
+              <a:rPr lang="en-US" dirty="0">
+                <a:solidFill>
+                  <a:srgbClr val="0070C0"/>
+                </a:solidFill>
+              </a:rPr>
+              <a:t> </a:t>
+            </a:r>
+            <a:r>
+              <a:rPr lang="en-US" dirty="0" err="1">
+                <a:solidFill>
+                  <a:srgbClr val="0070C0"/>
+                </a:solidFill>
+              </a:rPr>
+              <a:t>iné</a:t>
+            </a:r>
+            <a:r>
+              <a:rPr lang="en-US" dirty="0">
+                <a:solidFill>
+                  <a:srgbClr val="0070C0"/>
+                </a:solidFill>
+              </a:rPr>
+              <a:t> </a:t>
+            </a:r>
+            <a:r>
+              <a:rPr lang="en-US" dirty="0" err="1">
+                <a:solidFill>
+                  <a:srgbClr val="0070C0"/>
+                </a:solidFill>
+              </a:rPr>
+              <a:t>účely</a:t>
+            </a:r>
+            <a:r>
+              <a:rPr lang="en-US" dirty="0">
+                <a:solidFill>
+                  <a:srgbClr val="0070C0"/>
+                </a:solidFill>
+              </a:rPr>
+              <a:t> v cy</a:t>
+            </a:r>
             <a:r>
               <a:rPr lang="sk-SK" dirty="0">
                 <a:solidFill>
                   <a:srgbClr val="0070C0"/>
                 </a:solidFill>
               </a:rPr>
-              <a:t>t</a:t>
-            </a:r>
-            <a:r>
-              <a:rPr lang="en-US" dirty="0" err="1">
-                <a:solidFill>
-                  <a:srgbClr val="0070C0"/>
-                </a:solidFill>
-              </a:rPr>
-              <a:t>ypicky</a:t>
-            </a:r>
-            <a:r>
-              <a:rPr lang="en-US" dirty="0">
-                <a:solidFill>
-                  <a:srgbClr val="0070C0"/>
-                </a:solidFill>
-              </a:rPr>
-              <a:t> </a:t>
-            </a:r>
-            <a:r>
-              <a:rPr lang="en-US" dirty="0" err="1">
-                <a:solidFill>
-                  <a:srgbClr val="0070C0"/>
-                </a:solidFill>
-              </a:rPr>
-              <a:t>sa</a:t>
-            </a:r>
-            <a:r>
-              <a:rPr lang="en-US" dirty="0">
-                <a:solidFill>
-                  <a:srgbClr val="0070C0"/>
-                </a:solidFill>
-              </a:rPr>
-              <a:t> </a:t>
-            </a:r>
-            <a:r>
-              <a:rPr lang="en-US" dirty="0" err="1">
-                <a:solidFill>
-                  <a:srgbClr val="0070C0"/>
-                </a:solidFill>
-              </a:rPr>
-              <a:t>využívaju</a:t>
-            </a:r>
-            <a:r>
-              <a:rPr lang="en-US" dirty="0">
-                <a:solidFill>
-                  <a:srgbClr val="0070C0"/>
-                </a:solidFill>
-              </a:rPr>
-              <a:t> </a:t>
-            </a:r>
-            <a:r>
-              <a:rPr lang="en-US" dirty="0" err="1">
-                <a:solidFill>
-                  <a:srgbClr val="0070C0"/>
-                </a:solidFill>
-              </a:rPr>
-              <a:t>písmená</a:t>
-            </a:r>
-            <a:r>
-              <a:rPr lang="sk-SK" dirty="0">
-                <a:solidFill>
-                  <a:srgbClr val="0070C0"/>
-                </a:solidFill>
-              </a:rPr>
-              <a:t>, z</a:t>
-            </a:r>
-            <a:r>
-              <a:rPr lang="en-US" dirty="0" err="1">
-                <a:solidFill>
-                  <a:srgbClr val="0070C0"/>
-                </a:solidFill>
-              </a:rPr>
-              <a:t>vyčajne</a:t>
-            </a:r>
-            <a:r>
-              <a:rPr lang="en-US" dirty="0">
-                <a:solidFill>
-                  <a:srgbClr val="0070C0"/>
-                </a:solidFill>
-              </a:rPr>
-              <a:t> </a:t>
-            </a:r>
-            <a:r>
-              <a:rPr lang="en-US" dirty="0" err="1">
-                <a:solidFill>
-                  <a:srgbClr val="0070C0"/>
-                </a:solidFill>
-              </a:rPr>
-              <a:t>i</a:t>
-            </a:r>
-            <a:r>
-              <a:rPr lang="en-US" dirty="0">
-                <a:solidFill>
-                  <a:srgbClr val="0070C0"/>
-                </a:solidFill>
-              </a:rPr>
-              <a:t>, </a:t>
-            </a:r>
-            <a:r>
-              <a:rPr lang="en-US" dirty="0" err="1">
-                <a:solidFill>
-                  <a:srgbClr val="0070C0"/>
-                </a:solidFill>
-              </a:rPr>
-              <a:t>ako</a:t>
-            </a:r>
-            <a:r>
-              <a:rPr lang="en-US" dirty="0">
-                <a:solidFill>
-                  <a:srgbClr val="0070C0"/>
-                </a:solidFill>
-              </a:rPr>
-              <a:t> iterator</a:t>
-            </a:r>
-            <a:endParaRPr lang="sk-SK" dirty="0">
-              <a:solidFill>
-                <a:srgbClr val="0070C0"/>
-              </a:solidFill>
-            </a:endParaRPr>
-          </a:p>
-          <a:p>
-            <a:pPr algn="just"/>
-            <a:r>
-              <a:rPr lang="sk-SK" dirty="0">
-                <a:solidFill>
-                  <a:srgbClr val="0070C0"/>
-                </a:solidFill>
-              </a:rPr>
-              <a:t>p</a:t>
-            </a:r>
-            <a:r>
-              <a:rPr lang="en-US" dirty="0" err="1">
-                <a:solidFill>
-                  <a:srgbClr val="0070C0"/>
-                </a:solidFill>
-              </a:rPr>
-              <a:t>remenná</a:t>
-            </a:r>
-            <a:r>
-              <a:rPr lang="en-US" dirty="0">
-                <a:solidFill>
-                  <a:srgbClr val="0070C0"/>
-                </a:solidFill>
-              </a:rPr>
-              <a:t> je </a:t>
-            </a:r>
-            <a:r>
-              <a:rPr lang="en-US" dirty="0" err="1">
-                <a:solidFill>
-                  <a:srgbClr val="0070C0"/>
-                </a:solidFill>
-              </a:rPr>
-              <a:t>platná</a:t>
-            </a:r>
-            <a:r>
-              <a:rPr lang="en-US" dirty="0">
-                <a:solidFill>
-                  <a:srgbClr val="0070C0"/>
-                </a:solidFill>
-              </a:rPr>
-              <a:t> v </a:t>
-            </a:r>
-            <a:r>
-              <a:rPr lang="en-US" dirty="0" err="1">
-                <a:solidFill>
-                  <a:srgbClr val="0070C0"/>
-                </a:solidFill>
-              </a:rPr>
-              <a:t>bloku</a:t>
-            </a:r>
-            <a:r>
-              <a:rPr lang="en-US" dirty="0">
-                <a:solidFill>
-                  <a:srgbClr val="0070C0"/>
-                </a:solidFill>
-              </a:rPr>
-              <a:t> </a:t>
-            </a:r>
-            <a:r>
-              <a:rPr lang="en-US" dirty="0" err="1">
-                <a:solidFill>
-                  <a:srgbClr val="0070C0"/>
-                </a:solidFill>
-              </a:rPr>
-              <a:t>cyklu</a:t>
-            </a:r>
-            <a:r>
-              <a:rPr lang="en-US" dirty="0">
-                <a:solidFill>
-                  <a:srgbClr val="0070C0"/>
-                </a:solidFill>
-              </a:rPr>
-              <a:t> a </a:t>
-            </a:r>
-            <a:r>
-              <a:rPr lang="en-US" dirty="0" err="1">
-                <a:solidFill>
-                  <a:srgbClr val="0070C0"/>
-                </a:solidFill>
-              </a:rPr>
-              <a:t>môže</a:t>
-            </a:r>
-            <a:r>
-              <a:rPr lang="en-US" dirty="0">
-                <a:solidFill>
-                  <a:srgbClr val="0070C0"/>
-                </a:solidFill>
-              </a:rPr>
-              <a:t> </a:t>
-            </a:r>
-            <a:r>
-              <a:rPr lang="en-US" dirty="0" err="1">
-                <a:solidFill>
-                  <a:srgbClr val="0070C0"/>
-                </a:solidFill>
-              </a:rPr>
-              <a:t>byť</a:t>
-            </a:r>
-            <a:r>
-              <a:rPr lang="en-US" dirty="0">
-                <a:solidFill>
-                  <a:srgbClr val="0070C0"/>
-                </a:solidFill>
-              </a:rPr>
-              <a:t> </a:t>
-            </a:r>
-            <a:r>
-              <a:rPr lang="en-US" dirty="0" err="1">
-                <a:solidFill>
-                  <a:srgbClr val="0070C0"/>
-                </a:solidFill>
-              </a:rPr>
-              <a:t>použitá</a:t>
-            </a:r>
-            <a:r>
-              <a:rPr lang="en-US" dirty="0">
-                <a:solidFill>
-                  <a:srgbClr val="0070C0"/>
-                </a:solidFill>
-              </a:rPr>
-              <a:t> </a:t>
-            </a:r>
-            <a:r>
-              <a:rPr lang="en-US" dirty="0" err="1">
-                <a:solidFill>
-                  <a:srgbClr val="0070C0"/>
-                </a:solidFill>
-              </a:rPr>
-              <a:t>aj</a:t>
-            </a:r>
-            <a:r>
-              <a:rPr lang="en-US" dirty="0">
-                <a:solidFill>
-                  <a:srgbClr val="0070C0"/>
-                </a:solidFill>
-              </a:rPr>
-              <a:t> </a:t>
-            </a:r>
-            <a:r>
-              <a:rPr lang="en-US" dirty="0" err="1">
-                <a:solidFill>
-                  <a:srgbClr val="0070C0"/>
-                </a:solidFill>
-              </a:rPr>
-              <a:t>na</a:t>
-            </a:r>
-            <a:r>
-              <a:rPr lang="en-US" dirty="0">
-                <a:solidFill>
-                  <a:srgbClr val="0070C0"/>
-                </a:solidFill>
-              </a:rPr>
-              <a:t> </a:t>
-            </a:r>
-            <a:r>
-              <a:rPr lang="en-US" dirty="0" err="1">
-                <a:solidFill>
-                  <a:srgbClr val="0070C0"/>
-                </a:solidFill>
-              </a:rPr>
-              <a:t>iné</a:t>
-            </a:r>
-            <a:r>
-              <a:rPr lang="en-US" dirty="0">
-                <a:solidFill>
-                  <a:srgbClr val="0070C0"/>
-                </a:solidFill>
-              </a:rPr>
-              <a:t> </a:t>
-            </a:r>
-            <a:r>
-              <a:rPr lang="en-US" dirty="0" err="1">
-                <a:solidFill>
-                  <a:srgbClr val="0070C0"/>
-                </a:solidFill>
-              </a:rPr>
-              <a:t>účely</a:t>
-            </a:r>
-            <a:r>
-              <a:rPr lang="en-US" dirty="0">
-                <a:solidFill>
-                  <a:srgbClr val="0070C0"/>
-                </a:solidFill>
-              </a:rPr>
-              <a:t> v cycle</a:t>
+              <a:t>k</a:t>
+            </a:r>
+            <a:r>
+              <a:rPr lang="en-US" dirty="0">
+                <a:solidFill>
+                  <a:srgbClr val="0070C0"/>
+                </a:solidFill>
+              </a:rPr>
+              <a:t>le</a:t>
             </a:r>
             <a:endParaRPr lang="sk-SK" dirty="0">
               <a:solidFill>
@@ -8882,7 +8912,7 @@
             </a:fld>
             <a:r>
               <a:rPr lang="sk-SK" sz="1600" dirty="0"/>
-              <a:t> /11</a:t>
+              <a:t> / 11</a:t>
             </a:r>
             <a:endParaRPr lang="en-US" sz="1600" dirty="0"/>
           </a:p>
@@ -9058,7 +9088,7 @@
               <a:buNone/>
             </a:pPr>
             <a:r>
-              <a:rPr lang="en-US" dirty="0" err="1">
+              <a:rPr lang="en-US" b="1" dirty="0" err="1">
                 <a:solidFill>
                   <a:srgbClr val="0070C0"/>
                 </a:solidFill>
@@ -9066,7 +9096,7 @@
               <a:t>Počet</a:t>
             </a:r>
             <a:r>
-              <a:rPr lang="en-US" dirty="0">
+              <a:rPr lang="en-US" b="1" dirty="0">
                 <a:solidFill>
                   <a:srgbClr val="0070C0"/>
                 </a:solidFill>
@@ -9074,18 +9104,21 @@
               <a:t> </a:t>
             </a:r>
             <a:r>
-              <a:rPr lang="en-US" dirty="0" err="1">
+              <a:rPr lang="en-US" b="1" dirty="0" err="1">
                 <a:solidFill>
                   <a:srgbClr val="0070C0"/>
                 </a:solidFill>
               </a:rPr>
               <a:t>opakovaní</a:t>
             </a:r>
-            <a:endParaRPr lang="sk-SK" dirty="0">
-              <a:solidFill>
-                <a:srgbClr val="0070C0"/>
-              </a:solidFill>
-            </a:endParaRPr>
+            <a:r>
+              <a:rPr lang="sk-SK" b="1" dirty="0">
+                <a:solidFill>
+                  <a:srgbClr val="0070C0"/>
+                </a:solidFill>
+              </a:rPr>
+              <a:t>:</a:t>
+            </a:r>
           </a:p>
           <a:p>
             <a:pPr algn="just"/>
@@ -9340,7 +9373,7 @@
             </a:fld>
             <a:r>
               <a:rPr lang="sk-SK" sz="1600" dirty="0"/>
-              <a:t> /11</a:t>
+              <a:t> / 11</a:t>
             </a:r>
             <a:endParaRPr lang="en-US" sz="1600" dirty="0"/>
           </a:p>
@@ -9510,7 +9543,7 @@
             </a:fld>
             <a:r>
               <a:rPr lang="sk-SK" sz="1600" dirty="0"/>
-              <a:t> /11</a:t>
+              <a:t> / 11</a:t>
             </a:r>
             <a:endParaRPr lang="en-US" sz="1600" dirty="0"/>
           </a:p>
@@ -9686,7 +9719,7 @@
               <a:buNone/>
             </a:pPr>
             <a:r>
-              <a:rPr lang="en-US" dirty="0">
+              <a:rPr lang="en-US" b="1" dirty="0">
                 <a:solidFill>
                   <a:srgbClr val="0070C0"/>
                 </a:solidFill>
@@ -9698,7 +9731,7 @@
             <a:pPr marL="0" indent="0" algn="just">
               <a:buNone/>
             </a:pPr>
-            <a:endParaRPr lang="en-US" dirty="0">
+            <a:endParaRPr lang="en-US" b="1" dirty="0">
               <a:solidFill>
                 <a:srgbClr val="0070C0"/>
               </a:solidFill>
@@ -9709,7 +9742,7 @@
               <a:buNone/>
             </a:pPr>
             <a:r>
-              <a:rPr lang="en-US" dirty="0">
+              <a:rPr lang="en-US" b="1" dirty="0">
                 <a:solidFill>
                   <a:srgbClr val="0070C0"/>
                 </a:solidFill>
@@ -9722,7 +9755,7 @@
               <a:buNone/>
             </a:pPr>
             <a:r>
-              <a:rPr lang="en-US" dirty="0">
+              <a:rPr lang="en-US" b="1" dirty="0">
                 <a:solidFill>
                   <a:srgbClr val="0070C0"/>
                 </a:solidFill>
@@ -9735,7 +9768,7 @@
               <a:buNone/>
             </a:pPr>
             <a:r>
-              <a:rPr lang="en-US" dirty="0">
+              <a:rPr lang="en-US" b="1" dirty="0">
                 <a:solidFill>
                   <a:srgbClr val="0070C0"/>
                 </a:solidFill>
@@ -9748,7 +9781,7 @@
               <a:buNone/>
             </a:pPr>
             <a:r>
-              <a:rPr lang="en-US" dirty="0">
+              <a:rPr lang="en-US" b="1" dirty="0">
                 <a:solidFill>
                   <a:srgbClr val="0070C0"/>
                 </a:solidFill>
@@ -9814,7 +9847,7 @@
             </a:fld>
             <a:r>
               <a:rPr lang="sk-SK" sz="1600" dirty="0"/>
-              <a:t> /11</a:t>
+              <a:t> / 11</a:t>
             </a:r>
             <a:endParaRPr lang="en-US" sz="1600" dirty="0"/>
           </a:p>

--- a/Prezentacie/6. For cyklus.pptx
+++ b/Prezentacie/6. For cyklus.pptx
@@ -4276,8 +4276,8 @@
         </p:nvSpPr>
         <p:spPr>
           <a:xfrm>
-            <a:off x="838200" y="2760345"/>
-            <a:ext cx="10515600" cy="1781175"/>
+            <a:off x="490220" y="2567305"/>
+            <a:ext cx="7096760" cy="2075815"/>
           </a:xfrm>
           <a:solidFill>
             <a:schemeClr val="accent6">
@@ -4323,7 +4323,7 @@
         </p:style>
         <p:txBody>
           <a:bodyPr>
-            <a:normAutofit/>
+            <a:normAutofit fontScale="92500" lnSpcReduction="10000"/>
           </a:bodyPr>
           <a:lstStyle/>
           <a:p>
@@ -5517,6 +5517,53 @@
           </a:p>
         </p:txBody>
       </p:sp>
+      <p:pic>
+        <p:nvPicPr>
+          <p:cNvPr id="1026" name="Picture 2">
+            <a:extLst>
+              <a:ext uri="{FF2B5EF4-FFF2-40B4-BE49-F238E27FC236}">
+                <a16:creationId xmlns:a16="http://schemas.microsoft.com/office/drawing/2014/main" id="{545297C0-EC47-5318-AA4F-A59277EB009E}"/>
+              </a:ext>
+            </a:extLst>
+          </p:cNvPr>
+          <p:cNvPicPr>
+            <a:picLocks noChangeAspect="1" noChangeArrowheads="1"/>
+          </p:cNvPicPr>
+          <p:nvPr/>
+        </p:nvPicPr>
+        <p:blipFill>
+          <a:blip r:embed="rId2">
+            <a:extLst>
+              <a:ext uri="{28A0092B-C50C-407E-A947-70E740481C1C}">
+                <a14:useLocalDpi xmlns:a14="http://schemas.microsoft.com/office/drawing/2010/main" val="0"/>
+              </a:ext>
+            </a:extLst>
+          </a:blip>
+          <a:srcRect/>
+          <a:stretch>
+            <a:fillRect/>
+          </a:stretch>
+        </p:blipFill>
+        <p:spPr bwMode="auto">
+          <a:xfrm>
+            <a:off x="8153400" y="1850390"/>
+            <a:ext cx="3509644" cy="3509644"/>
+          </a:xfrm>
+          <a:prstGeom prst="rect">
+            <a:avLst/>
+          </a:prstGeom>
+          <a:noFill/>
+          <a:extLst>
+            <a:ext uri="{909E8E84-426E-40DD-AFC4-6F175D3DCCD1}">
+              <a14:hiddenFill xmlns:a14="http://schemas.microsoft.com/office/drawing/2010/main">
+                <a:solidFill>
+                  <a:srgbClr val="FFFFFF"/>
+                </a:solidFill>
+              </a14:hiddenFill>
+            </a:ext>
+          </a:extLst>
+        </p:spPr>
+      </p:pic>
     </p:spTree>
     <p:extLst>
       <p:ext uri="{BB962C8B-B14F-4D97-AF65-F5344CB8AC3E}">
